--- a/TermProject/2DGP_Project_PPT.pptx
+++ b/TermProject/2DGP_Project_PPT.pptx
@@ -5471,7 +5471,11 @@
             </a:pPr>
             <a:r>
               <a:rPr lang="ko-KR" altLang="en-US" dirty="0"/>
-              <a:t>포켓볼의 기본적인 적용</a:t>
+              <a:t>포켓볼의 </a:t>
+            </a:r>
+            <a:r>
+              <a:rPr lang="ko-KR" altLang="en-US"/>
+              <a:t>기본적인 룰 적용</a:t>
             </a:r>
             <a:endParaRPr lang="en-US" altLang="ko-KR" dirty="0"/>
           </a:p>
